--- a/Documents/Hack 4 Good_Briefing Presentation AND.pptx
+++ b/Documents/Hack 4 Good_Briefing Presentation AND.pptx
@@ -2296,15 +2296,7 @@
           <a:p>
             <a:r>
               <a:rPr lang="en-AU" dirty="0"/>
-              <a:t>Anastasia</a:t>
-            </a:r>
-            <a:r>
-              <a:rPr lang="en-AU" baseline="0" dirty="0"/>
-              <a:t> - </a:t>
-            </a:r>
-            <a:r>
-              <a:rPr lang="en-AU" dirty="0"/>
-              <a:t>School. My TBI occurred just before entering high school (now I am my 2nd year of college). In high school, the best thing I did was take classes online at a virtual high school, which left me enough energy to participate in Jazz Band at my local brick &amp; mortar school. I became valedictorian (class rank #1). In college, so I don't miss anything I use my for "</a:t>
+              <a:t>My TBI occurred just before entering high school (now I am my 2nd year of college). In high school, the best thing I did was take classes online at a virtual high school, which left me enough energy to participate in Band. In college, so I don't miss anything I use my for "</a:t>
             </a:r>
             <a:r>
               <a:rPr lang="en-AU" dirty="0" err="1"/>
@@ -2312,15 +2304,7 @@
             </a:r>
             <a:r>
               <a:rPr lang="en-AU" dirty="0"/>
-              <a:t> Audio Note-taker," improve my focus by having the instructor wear a mic connected to my earbud (an FM system), counteract diplopia with enlarged print (teachers hate this, so I ask that they scan the material-email it to me), and use my Smart Phone as a second memory (several apps...record things I need to remember or review...set reminders...and break almost Everything up into 15-minute segments using the timer or alarm features). Socially &amp; when in restaurants to manage flooding, I wear custom earplugs...sometimes in both ears, sometimes just single-occlusion of one ear (using the timer on my Smart Phone to remind me to "switch" ears every 15-minutes...same if I'm wearing an eye-patch). After volunteering for Elam </a:t>
-            </a:r>
-            <a:r>
-              <a:rPr lang="en-AU" dirty="0" err="1"/>
-              <a:t>Azzizi's</a:t>
-            </a:r>
-            <a:r>
-              <a:rPr lang="en-AU" dirty="0"/>
-              <a:t> TBI study at the University of Melbourne (December, 2015) I began using their tactics while playing single-shooter video games in order to improve my focus. It had the side-effect of also improving my balance/walking. I use technology to play musical scales everyday (and also play drums/keyboards since that has helped me improve). And, I use YouTube videos to help me with my Tai Chi. </a:t>
+              <a:t> Audio Note-taker," improve my focus by having the instructor wear a mic connected to my earbud (an FM system), counteract diplopia with enlarged print (teachers hate this, so I ask that they scan the material-email it to me), and use my Smart Phone as a second memory (several apps...record things I need to remember or review...set reminders...and break almost Everything up into 15-minute segments using the timer or alarm features). Socially &amp; when in restaurants to manage flooding, I wear custom earplugs...sometimes in both ears, sometimes just single-occlusion of one ear (using the timer on my Smart Phone to remind me to "switch" ears every 15-minutes...same if I'm wearing an eye-patch.  I use technology to play musical scales everyday (and also play drums/keyboards since that has helped me improve). And, I use YouTube videos to help me with my Tai Chi. </a:t>
             </a:r>
           </a:p>
         </p:txBody>
@@ -25398,17 +25382,19 @@
           <a:lstStyle/>
           <a:p>
             <a:r>
-              <a:rPr lang="en-AU" sz="4400" dirty="0"/>
+              <a:rPr lang="en-AU" dirty="0"/>
               <a:t>Hack 4 Good</a:t>
             </a:r>
             <a:br>
               <a:rPr lang="en-AU" dirty="0"/>
             </a:br>
+            <a:br>
+              <a:rPr lang="en-AU" dirty="0"/>
+            </a:br>
             <a:r>
-              <a:rPr lang="en-AU" sz="3100" dirty="0"/>
+              <a:rPr lang="en-AU" dirty="0"/>
               <a:t>November 2016</a:t>
             </a:r>
-            <a:endParaRPr lang="en-AU" dirty="0"/>
           </a:p>
         </p:txBody>
       </p:sp>
@@ -25444,7 +25430,7 @@
       </p:grpSpPr>
       <p:pic>
         <p:nvPicPr>
-          <p:cNvPr id="8" name="Picture 7"/>
+          <p:cNvPr id="8" name="Picture 7" descr="Image of a white cane, a man reading braille, and a wheelchair user from above." title="Disability images"/>
           <p:cNvPicPr>
             <a:picLocks noChangeAspect="1"/>
           </p:cNvPicPr>
@@ -26583,7 +26569,7 @@
       </p:sp>
       <p:pic>
         <p:nvPicPr>
-          <p:cNvPr id="7" name="Picture 2" descr="https://encrypted-tbn3.gstatic.com/images?q=tbn:ANd9GcSbQyEvVuvsWcqi8HZNPNV2-nvr5j7zCqHTAupL3eJmmhKfrNBZ">
+          <p:cNvPr id="7" name="Picture 2" descr="Icons showing a wheelchair user, Auslan interpretation, the outline of a head and a brain, and a figure with a white cane." title="Disability icons">
             <a:hlinkClick r:id="rId3"/>
           </p:cNvPr>
           <p:cNvPicPr>
@@ -26868,7 +26854,7 @@
       </p:sp>
       <p:pic>
         <p:nvPicPr>
-          <p:cNvPr id="8" name="Picture Placeholder 7"/>
+          <p:cNvPr id="8" name="Picture Placeholder 7" descr="A figure with the shadow of a wheelchair underneath them. Words 'not every disability is visible'."/>
           <p:cNvPicPr>
             <a:picLocks noGrp="1" noChangeAspect="1"/>
           </p:cNvPicPr>
@@ -26942,7 +26928,7 @@
         </p:grpSpPr>
         <p:sp>
           <p:nvSpPr>
-            <p:cNvPr id="12" name="Oval 11"/>
+            <p:cNvPr id="12" name="Oval 11" title="Red circle"/>
             <p:cNvSpPr/>
             <p:nvPr/>
           </p:nvSpPr>
@@ -26992,7 +26978,7 @@
         </p:sp>
         <p:sp>
           <p:nvSpPr>
-            <p:cNvPr id="13" name="Oval 12"/>
+            <p:cNvPr id="13" name="Oval 12" title="Red circle"/>
             <p:cNvSpPr/>
             <p:nvPr/>
           </p:nvSpPr>
@@ -27344,7 +27330,7 @@
       </p:grpSpPr>
       <p:grpSp>
         <p:nvGrpSpPr>
-          <p:cNvPr id="11" name="Group 10"/>
+          <p:cNvPr id="11" name="Group 10" title="Red circle"/>
           <p:cNvGrpSpPr/>
           <p:nvPr/>
         </p:nvGrpSpPr>
@@ -27408,7 +27394,7 @@
         </p:sp>
         <p:sp>
           <p:nvSpPr>
-            <p:cNvPr id="13" name="Oval 12"/>
+            <p:cNvPr id="13" name="Oval 12" title="Red circle"/>
             <p:cNvSpPr/>
             <p:nvPr/>
           </p:nvSpPr>
@@ -27745,7 +27731,7 @@
         </p:grpSpPr>
         <p:sp>
           <p:nvSpPr>
-            <p:cNvPr id="12" name="Oval 11"/>
+            <p:cNvPr id="12" name="Oval 11" title="Red circle"/>
             <p:cNvSpPr/>
             <p:nvPr/>
           </p:nvSpPr>
@@ -27795,7 +27781,7 @@
         </p:sp>
         <p:sp>
           <p:nvSpPr>
-            <p:cNvPr id="13" name="Oval 12"/>
+            <p:cNvPr id="13" name="Oval 12" title="Red circle"/>
             <p:cNvSpPr/>
             <p:nvPr/>
           </p:nvSpPr>
@@ -28756,7 +28742,7 @@
       </p:sp>
       <p:pic>
         <p:nvPicPr>
-          <p:cNvPr id="5" name="Picture 4" descr="3 images of 3 boys of various heights watching a baseball game. In the first image, it is assumedc that everyone will benefit fom the same supports.  They are being treated equaly.&#10;In the second image, individuals are given different supports to make it possible for them to have equal access to the game. They are being treated equitably&#10;In the third image, all 3 can see the game without any supports or accommodations because the cause of the inequity was addressed. The systemic barrier has been removed." title="Picture - Equality vs equity"/>
+          <p:cNvPr id="5" name="Picture 4" descr="3 images of 3 boys of various heights watching a baseball game. In the first image, they are each standing on blocks to see over a fence, but the shortest boy still can't see.&#10;In the second image, individuals are given different sized blocks. They can all see over the fence.&#10;In the third image, all 3 can see the game without any supports or accommodations because the fence has been removed." title="Picture - Equality vs equity"/>
           <p:cNvPicPr/>
           <p:nvPr/>
         </p:nvPicPr>
@@ -28813,7 +28799,7 @@
       </p:grpSpPr>
       <p:pic>
         <p:nvPicPr>
-          <p:cNvPr id="6" name="Picture Placeholder 5"/>
+          <p:cNvPr id="6" name="Picture Placeholder 5" descr="Words &quot;Help us #Hack4Good. Share your ideas for your chance to win&quot; against a blue background. Australian Network on Disability and Microsoft's logos at the top." title="Hack 4 Good image"/>
           <p:cNvPicPr>
             <a:picLocks noGrp="1" noChangeAspect="1"/>
           </p:cNvPicPr>
